--- a/slides.pptx
+++ b/slides.pptx
@@ -12,7 +12,8 @@
     <p:sldId id="260" r:id="rId6"/>
     <p:sldId id="261" r:id="rId7"/>
     <p:sldId id="262" r:id="rId8"/>
-    <p:sldId id="265" r:id="rId9"/>
+    <p:sldId id="266" r:id="rId9"/>
+    <p:sldId id="265" r:id="rId10"/>
   </p:sldIdLst>
   <p:sldSz cx="12192000" cy="6858000"/>
   <p:notesSz cx="6858000" cy="9144000"/>
@@ -3407,7 +3408,7 @@
         </p:nvSpPr>
         <p:spPr>
           <a:xfrm>
-            <a:off x="252919" y="1123837"/>
+            <a:off x="643904" y="1128408"/>
             <a:ext cx="3098207" cy="4601183"/>
           </a:xfrm>
         </p:spPr>
@@ -3460,7 +3461,7 @@
         </p:blipFill>
         <p:spPr>
           <a:xfrm>
-            <a:off x="7095842" y="1784053"/>
+            <a:off x="7331512" y="1774626"/>
             <a:ext cx="2743200" cy="1371600"/>
           </a:xfrm>
           <a:prstGeom prst="rect">
@@ -3490,7 +3491,7 @@
         </p:blipFill>
         <p:spPr>
           <a:xfrm>
-            <a:off x="4469506" y="1654064"/>
+            <a:off x="4705176" y="1644637"/>
             <a:ext cx="1631578" cy="1631578"/>
           </a:xfrm>
           <a:prstGeom prst="rect">
@@ -3516,7 +3517,7 @@
         </p:nvSpPr>
         <p:spPr>
           <a:xfrm>
-            <a:off x="3869268" y="3912124"/>
+            <a:off x="4104938" y="3902697"/>
             <a:ext cx="7315200" cy="2072624"/>
           </a:xfrm>
         </p:spPr>
@@ -3559,7 +3560,7 @@
         </p:nvCxnSpPr>
         <p:spPr>
           <a:xfrm>
-            <a:off x="6101084" y="2469853"/>
+            <a:off x="6336754" y="2460426"/>
             <a:ext cx="994758" cy="0"/>
           </a:xfrm>
           <a:prstGeom prst="straightConnector1">
@@ -3632,7 +3633,7 @@
         </p:nvSpPr>
         <p:spPr>
           <a:xfrm>
-            <a:off x="1023976" y="1546027"/>
+            <a:off x="1193659" y="1621442"/>
             <a:ext cx="3335921" cy="4601183"/>
           </a:xfrm>
         </p:spPr>
@@ -3728,7 +3729,7 @@
         </p:blipFill>
         <p:spPr>
           <a:xfrm>
-            <a:off x="4775739" y="860227"/>
+            <a:off x="4992556" y="935642"/>
             <a:ext cx="2743200" cy="1371600"/>
           </a:xfrm>
           <a:prstGeom prst="rect">
@@ -3758,7 +3759,7 @@
         </p:blipFill>
         <p:spPr>
           <a:xfrm>
-            <a:off x="8297051" y="836209"/>
+            <a:off x="8513868" y="911624"/>
             <a:ext cx="2572871" cy="1419635"/>
           </a:xfrm>
           <a:prstGeom prst="rect">
@@ -3783,7 +3784,7 @@
         </p:nvCxnSpPr>
         <p:spPr>
           <a:xfrm>
-            <a:off x="7518939" y="1546027"/>
+            <a:off x="7735756" y="1621442"/>
             <a:ext cx="778112" cy="0"/>
           </a:xfrm>
           <a:prstGeom prst="straightConnector1">
@@ -3856,7 +3857,7 @@
         </p:nvSpPr>
         <p:spPr>
           <a:xfrm>
-            <a:off x="838200" y="365125"/>
+            <a:off x="1243553" y="602055"/>
             <a:ext cx="2809973" cy="4734776"/>
           </a:xfrm>
         </p:spPr>
@@ -3901,8 +3902,8 @@
         </p:nvSpPr>
         <p:spPr>
           <a:xfrm>
-            <a:off x="3869268" y="2969443"/>
-            <a:ext cx="7315200" cy="2026763"/>
+            <a:off x="5392132" y="2969443"/>
+            <a:ext cx="5792336" cy="2026763"/>
           </a:xfrm>
         </p:spPr>
         <p:txBody>
@@ -3940,7 +3941,7 @@
         </p:blipFill>
         <p:spPr>
           <a:xfrm>
-            <a:off x="4392751" y="873252"/>
+            <a:off x="4977213" y="920386"/>
             <a:ext cx="2572871" cy="1419635"/>
           </a:xfrm>
           <a:prstGeom prst="rect">
@@ -3970,7 +3971,7 @@
         </p:blipFill>
         <p:spPr>
           <a:xfrm>
-            <a:off x="7799250" y="1132637"/>
+            <a:off x="8383712" y="1179771"/>
             <a:ext cx="2348753" cy="900863"/>
           </a:xfrm>
           <a:prstGeom prst="rect">
@@ -3992,7 +3993,7 @@
         </p:nvCxnSpPr>
         <p:spPr>
           <a:xfrm>
-            <a:off x="7070103" y="1734532"/>
+            <a:off x="7654565" y="1781666"/>
             <a:ext cx="556182" cy="0"/>
           </a:xfrm>
           <a:prstGeom prst="straightConnector1">
@@ -4065,7 +4066,7 @@
         </p:nvSpPr>
         <p:spPr>
           <a:xfrm>
-            <a:off x="234885" y="1766813"/>
+            <a:off x="753359" y="1693725"/>
             <a:ext cx="2700061" cy="4454375"/>
           </a:xfrm>
         </p:spPr>
@@ -4109,7 +4110,7 @@
         </p:blipFill>
         <p:spPr>
           <a:xfrm>
-            <a:off x="3490300" y="524533"/>
+            <a:off x="4357566" y="552813"/>
             <a:ext cx="4981635" cy="2109497"/>
           </a:xfrm>
           <a:prstGeom prst="rect">
@@ -4135,8 +4136,8 @@
         </p:nvSpPr>
         <p:spPr>
           <a:xfrm>
-            <a:off x="3294478" y="2413261"/>
-            <a:ext cx="7315200" cy="3015305"/>
+            <a:off x="4138366" y="2413261"/>
+            <a:ext cx="6471311" cy="3015305"/>
           </a:xfrm>
         </p:spPr>
         <p:txBody>
@@ -4194,6 +4195,215 @@
 </file>
 
 <file path=ppt/slides/slide8.xml><?xml version="1.0" encoding="utf-8"?>
+<p:sld xmlns:a="http://schemas.openxmlformats.org/drawingml/2006/main" xmlns:r="http://schemas.openxmlformats.org/officeDocument/2006/relationships" xmlns:p="http://schemas.openxmlformats.org/presentationml/2006/main">
+  <p:cSld>
+    <p:spTree>
+      <p:nvGrpSpPr>
+        <p:cNvPr id="1" name=""/>
+        <p:cNvGrpSpPr/>
+        <p:nvPr/>
+      </p:nvGrpSpPr>
+      <p:grpSpPr>
+        <a:xfrm>
+          <a:off x="0" y="0"/>
+          <a:ext cx="0" cy="0"/>
+          <a:chOff x="0" y="0"/>
+          <a:chExt cx="0" cy="0"/>
+        </a:xfrm>
+      </p:grpSpPr>
+      <p:sp>
+        <p:nvSpPr>
+          <p:cNvPr id="4" name="Title 3">
+            <a:extLst>
+              <a:ext uri="{FF2B5EF4-FFF2-40B4-BE49-F238E27FC236}">
+                <a16:creationId xmlns:a16="http://schemas.microsoft.com/office/drawing/2014/main" id="{79CE39CC-0FFA-91AB-A3A1-85672EDE8D5B}"/>
+              </a:ext>
+            </a:extLst>
+          </p:cNvPr>
+          <p:cNvSpPr>
+            <a:spLocks noGrp="1"/>
+          </p:cNvSpPr>
+          <p:nvPr>
+            <p:ph type="title"/>
+          </p:nvPr>
+        </p:nvSpPr>
+        <p:spPr/>
+        <p:txBody>
+          <a:bodyPr/>
+          <a:lstStyle/>
+          <a:p>
+            <a:r>
+              <a:rPr lang="en-US" dirty="0"/>
+              <a:t>Reference links</a:t>
+            </a:r>
+          </a:p>
+        </p:txBody>
+      </p:sp>
+      <p:sp>
+        <p:nvSpPr>
+          <p:cNvPr id="7" name="Content Placeholder 6">
+            <a:extLst>
+              <a:ext uri="{FF2B5EF4-FFF2-40B4-BE49-F238E27FC236}">
+                <a16:creationId xmlns:a16="http://schemas.microsoft.com/office/drawing/2014/main" id="{9DC945B8-6D6A-3427-795E-B278512A8126}"/>
+              </a:ext>
+            </a:extLst>
+          </p:cNvPr>
+          <p:cNvSpPr>
+            <a:spLocks noGrp="1"/>
+          </p:cNvSpPr>
+          <p:nvPr>
+            <p:ph idx="1"/>
+          </p:nvPr>
+        </p:nvSpPr>
+        <p:spPr/>
+        <p:txBody>
+          <a:bodyPr/>
+          <a:lstStyle/>
+          <a:p>
+            <a:pPr marL="0" marR="0">
+              <a:spcBef>
+                <a:spcPts val="0"/>
+              </a:spcBef>
+              <a:spcAft>
+                <a:spcPts val="0"/>
+              </a:spcAft>
+            </a:pPr>
+            <a:r>
+              <a:rPr lang="en-US" sz="1800" dirty="0">
+                <a:effectLst/>
+                <a:latin typeface="Calibri" panose="020F0502020204030204" pitchFamily="34" charset="0"/>
+                <a:hlinkClick r:id="rId2"/>
+              </a:rPr>
+              <a:t>https://fastnforward.blog/create-twitter-app-java-kafka-producer-to-stream-twitter-data/</a:t>
+            </a:r>
+            <a:endParaRPr lang="en-US" sz="1800" dirty="0">
+              <a:effectLst/>
+              <a:latin typeface="Calibri" panose="020F0502020204030204" pitchFamily="34" charset="0"/>
+            </a:endParaRPr>
+          </a:p>
+          <a:p>
+            <a:pPr marL="0" marR="0">
+              <a:spcBef>
+                <a:spcPts val="0"/>
+              </a:spcBef>
+              <a:spcAft>
+                <a:spcPts val="0"/>
+              </a:spcAft>
+            </a:pPr>
+            <a:r>
+              <a:rPr lang="en-US" sz="1800" dirty="0">
+                <a:effectLst/>
+                <a:latin typeface="Calibri" panose="020F0502020204030204" pitchFamily="34" charset="0"/>
+                <a:hlinkClick r:id="rId3"/>
+              </a:rPr>
+              <a:t>https://towardsdatascience.com/spark-streaming-for-beginners-a0170113e479</a:t>
+            </a:r>
+            <a:endParaRPr lang="en-US" sz="1800" dirty="0">
+              <a:effectLst/>
+              <a:latin typeface="Calibri" panose="020F0502020204030204" pitchFamily="34" charset="0"/>
+            </a:endParaRPr>
+          </a:p>
+          <a:p>
+            <a:pPr marL="0" marR="0">
+              <a:spcBef>
+                <a:spcPts val="0"/>
+              </a:spcBef>
+              <a:spcAft>
+                <a:spcPts val="0"/>
+              </a:spcAft>
+            </a:pPr>
+            <a:r>
+              <a:rPr lang="en-US" sz="1800" dirty="0">
+                <a:effectLst/>
+                <a:latin typeface="Calibri" panose="020F0502020204030204" pitchFamily="34" charset="0"/>
+                <a:hlinkClick r:id="rId4"/>
+              </a:rPr>
+              <a:t>https://www.conduktor.io/kafka/how-to-install-apache-kafka-on-linux</a:t>
+            </a:r>
+            <a:endParaRPr lang="en-US" sz="1800" dirty="0">
+              <a:effectLst/>
+              <a:latin typeface="Calibri" panose="020F0502020204030204" pitchFamily="34" charset="0"/>
+            </a:endParaRPr>
+          </a:p>
+          <a:p>
+            <a:pPr marL="0" marR="0">
+              <a:spcBef>
+                <a:spcPts val="0"/>
+              </a:spcBef>
+              <a:spcAft>
+                <a:spcPts val="0"/>
+              </a:spcAft>
+            </a:pPr>
+            <a:r>
+              <a:rPr lang="en-US" sz="1800" dirty="0">
+                <a:effectLst/>
+                <a:latin typeface="Calibri" panose="020F0502020204030204" pitchFamily="34" charset="0"/>
+                <a:hlinkClick r:id="rId5"/>
+              </a:rPr>
+              <a:t>https://medium.com/analytics-vidhya/twitter-streaming-with-apache-kafka-ea0e2f44181e</a:t>
+            </a:r>
+            <a:endParaRPr lang="en-US" sz="1800" dirty="0">
+              <a:effectLst/>
+              <a:latin typeface="Calibri" panose="020F0502020204030204" pitchFamily="34" charset="0"/>
+            </a:endParaRPr>
+          </a:p>
+          <a:p>
+            <a:pPr marL="0" marR="0">
+              <a:spcBef>
+                <a:spcPts val="0"/>
+              </a:spcBef>
+              <a:spcAft>
+                <a:spcPts val="0"/>
+              </a:spcAft>
+            </a:pPr>
+            <a:r>
+              <a:rPr lang="en-US" sz="1800" dirty="0">
+                <a:effectLst/>
+                <a:latin typeface="Calibri" panose="020F0502020204030204" pitchFamily="34" charset="0"/>
+                <a:hlinkClick r:id="rId6"/>
+              </a:rPr>
+              <a:t>https://towardsdatascience.com/using-kafka-to-optimize-data-flow-of-your-twitter-stream-90523d25f3e8</a:t>
+            </a:r>
+            <a:endParaRPr lang="en-US" sz="1800" dirty="0">
+              <a:effectLst/>
+              <a:latin typeface="Calibri" panose="020F0502020204030204" pitchFamily="34" charset="0"/>
+            </a:endParaRPr>
+          </a:p>
+          <a:p>
+            <a:pPr marL="0" marR="0">
+              <a:spcBef>
+                <a:spcPts val="0"/>
+              </a:spcBef>
+              <a:spcAft>
+                <a:spcPts val="0"/>
+              </a:spcAft>
+            </a:pPr>
+            <a:r>
+              <a:rPr lang="en-US" sz="1800" dirty="0">
+                <a:effectLst/>
+                <a:latin typeface="Calibri" panose="020F0502020204030204" pitchFamily="34" charset="0"/>
+                <a:hlinkClick r:id="rId7"/>
+              </a:rPr>
+              <a:t>https://developer.hpe.com/blog/spark-streaming-with-hbase/</a:t>
+            </a:r>
+            <a:endParaRPr lang="en-US" dirty="0"/>
+          </a:p>
+        </p:txBody>
+      </p:sp>
+    </p:spTree>
+    <p:extLst>
+      <p:ext uri="{BB962C8B-B14F-4D97-AF65-F5344CB8AC3E}">
+        <p14:creationId xmlns:p14="http://schemas.microsoft.com/office/powerpoint/2010/main" val="453944159"/>
+      </p:ext>
+    </p:extLst>
+  </p:cSld>
+  <p:clrMapOvr>
+    <a:masterClrMapping/>
+  </p:clrMapOvr>
+</p:sld>
+</file>
+
+<file path=ppt/slides/slide9.xml><?xml version="1.0" encoding="utf-8"?>
 <p:sld xmlns:a="http://schemas.openxmlformats.org/drawingml/2006/main" xmlns:r="http://schemas.openxmlformats.org/officeDocument/2006/relationships" xmlns:p="http://schemas.openxmlformats.org/presentationml/2006/main">
   <p:cSld>
     <p:spTree>
